--- a/DM02-DataManagement.pptx
+++ b/DM02-DataManagement.pptx
@@ -5,10 +5,10 @@
     <p:sldMasterId id="2147483653" r:id="rId1"/>
   </p:sldMasterIdLst>
   <p:notesMasterIdLst>
-    <p:notesMasterId r:id="rId23"/>
+    <p:notesMasterId r:id="rId21"/>
   </p:notesMasterIdLst>
   <p:handoutMasterIdLst>
-    <p:handoutMasterId r:id="rId24"/>
+    <p:handoutMasterId r:id="rId22"/>
   </p:handoutMasterIdLst>
   <p:sldIdLst>
     <p:sldId id="264" r:id="rId2"/>
@@ -22,16 +22,14 @@
     <p:sldId id="349" r:id="rId10"/>
     <p:sldId id="350" r:id="rId11"/>
     <p:sldId id="346" r:id="rId12"/>
-    <p:sldId id="351" r:id="rId13"/>
-    <p:sldId id="352" r:id="rId14"/>
-    <p:sldId id="354" r:id="rId15"/>
-    <p:sldId id="353" r:id="rId16"/>
-    <p:sldId id="355" r:id="rId17"/>
-    <p:sldId id="324" r:id="rId18"/>
-    <p:sldId id="325" r:id="rId19"/>
-    <p:sldId id="357" r:id="rId20"/>
-    <p:sldId id="326" r:id="rId21"/>
-    <p:sldId id="356" r:id="rId22"/>
+    <p:sldId id="352" r:id="rId13"/>
+    <p:sldId id="354" r:id="rId14"/>
+    <p:sldId id="353" r:id="rId15"/>
+    <p:sldId id="356" r:id="rId16"/>
+    <p:sldId id="324" r:id="rId17"/>
+    <p:sldId id="325" r:id="rId18"/>
+    <p:sldId id="326" r:id="rId19"/>
+    <p:sldId id="359" r:id="rId20"/>
   </p:sldIdLst>
   <p:sldSz cx="9144000" cy="6858000" type="screen4x3"/>
   <p:notesSz cx="6648450" cy="9782175"/>
@@ -1178,7 +1176,7 @@
           <a:p>
             <a:fld id="{A0ABDEA8-EB22-42D4-B8E2-0C26FFC92FC1}" type="datetimeFigureOut">
               <a:rPr lang="fr-FR" smtClean="0"/>
-              <a:t>28/12/2025</a:t>
+              <a:t>07/01/2026</a:t>
             </a:fld>
             <a:endParaRPr lang="fr-FR"/>
           </a:p>
@@ -4401,106 +4399,6 @@
           <p:cNvPr id="2" name="Titre 1">
             <a:extLst>
               <a:ext uri="{FF2B5EF4-FFF2-40B4-BE49-F238E27FC236}">
-                <a16:creationId xmlns:a16="http://schemas.microsoft.com/office/drawing/2014/main" id="{D482C393-5D7A-241A-65B7-72DA2D83E394}"/>
-              </a:ext>
-            </a:extLst>
-          </p:cNvPr>
-          <p:cNvSpPr>
-            <a:spLocks noGrp="1"/>
-          </p:cNvSpPr>
-          <p:nvPr>
-            <p:ph type="title"/>
-          </p:nvPr>
-        </p:nvSpPr>
-        <p:spPr/>
-        <p:txBody>
-          <a:bodyPr/>
-          <a:lstStyle/>
-          <a:p>
-            <a:r>
-              <a:rPr lang="fr-FR" dirty="0"/>
-              <a:t>Stratégie</a:t>
-            </a:r>
-          </a:p>
-        </p:txBody>
-      </p:sp>
-      <p:sp>
-        <p:nvSpPr>
-          <p:cNvPr id="3" name="Espace réservé du contenu 2">
-            <a:extLst>
-              <a:ext uri="{FF2B5EF4-FFF2-40B4-BE49-F238E27FC236}">
-                <a16:creationId xmlns:a16="http://schemas.microsoft.com/office/drawing/2014/main" id="{79EF9797-B1E9-FACE-3D8D-9E5F13A6E1D1}"/>
-              </a:ext>
-            </a:extLst>
-          </p:cNvPr>
-          <p:cNvSpPr>
-            <a:spLocks noGrp="1"/>
-          </p:cNvSpPr>
-          <p:nvPr>
-            <p:ph idx="1"/>
-          </p:nvPr>
-        </p:nvSpPr>
-        <p:spPr/>
-        <p:txBody>
-          <a:bodyPr/>
-          <a:lstStyle/>
-          <a:p>
-            <a:r>
-              <a:rPr lang="fr-FR" dirty="0"/>
-              <a:t>Une stratégie est un ensemble de choix et de décisions qui, ensemble, définissent une ligne de conduite générale pour atteindre des objectifs de haut niveau</a:t>
-            </a:r>
-          </a:p>
-          <a:p>
-            <a:pPr lvl="1"/>
-            <a:r>
-              <a:rPr lang="fr-FR" dirty="0"/>
-              <a:t>Aux échecs, une stratégie est une suite de coups visant à gagner par échec et mat ou à survivre par pat</a:t>
-            </a:r>
-          </a:p>
-          <a:p>
-            <a:pPr lvl="1"/>
-            <a:r>
-              <a:rPr lang="fr-FR" dirty="0"/>
-              <a:t>Un plan stratégique est une ligne de conduite générale pour atteindre des objectifs de haut niveau.</a:t>
-            </a:r>
-          </a:p>
-        </p:txBody>
-      </p:sp>
-    </p:spTree>
-    <p:extLst>
-      <p:ext uri="{BB962C8B-B14F-4D97-AF65-F5344CB8AC3E}">
-        <p14:creationId xmlns:p14="http://schemas.microsoft.com/office/powerpoint/2010/main" val="2138049159"/>
-      </p:ext>
-    </p:extLst>
-  </p:cSld>
-  <p:clrMapOvr>
-    <a:masterClrMapping/>
-  </p:clrMapOvr>
-</p:sld>
-</file>
-
-<file path=ppt/slides/slide13.xml><?xml version="1.0" encoding="utf-8"?>
-<p:sld xmlns:a="http://schemas.openxmlformats.org/drawingml/2006/main" xmlns:r="http://schemas.openxmlformats.org/officeDocument/2006/relationships" xmlns:p="http://schemas.openxmlformats.org/presentationml/2006/main">
-  <p:cSld>
-    <p:spTree>
-      <p:nvGrpSpPr>
-        <p:cNvPr id="1" name=""/>
-        <p:cNvGrpSpPr/>
-        <p:nvPr/>
-      </p:nvGrpSpPr>
-      <p:grpSpPr>
-        <a:xfrm>
-          <a:off x="0" y="0"/>
-          <a:ext cx="0" cy="0"/>
-          <a:chOff x="0" y="0"/>
-          <a:chExt cx="0" cy="0"/>
-        </a:xfrm>
-      </p:grpSpPr>
-      <p:sp>
-        <p:nvSpPr>
-          <p:cNvPr id="2" name="Titre 1">
-            <a:extLst>
-              <a:ext uri="{FF2B5EF4-FFF2-40B4-BE49-F238E27FC236}">
                 <a16:creationId xmlns:a16="http://schemas.microsoft.com/office/drawing/2014/main" id="{3F9C85E5-0ECF-F8D4-B2ED-D1D6AC0E9C65}"/>
               </a:ext>
             </a:extLst>
@@ -4553,7 +4451,7 @@
           <a:p>
             <a:r>
               <a:rPr lang="fr-FR" dirty="0"/>
-              <a:t>Cette stratégie doit découler d'une compréhension des besoins en données inhérents à la stratégie d'entreprise</a:t>
+              <a:t>Cette stratégie doit découler d'une compréhension des besoins en données</a:t>
             </a:r>
           </a:p>
           <a:p>
@@ -4599,7 +4497,7 @@
 </p:sld>
 </file>
 
-<file path=ppt/slides/slide14.xml><?xml version="1.0" encoding="utf-8"?>
+<file path=ppt/slides/slide13.xml><?xml version="1.0" encoding="utf-8"?>
 <p:sld xmlns:a="http://schemas.openxmlformats.org/drawingml/2006/main" xmlns:r="http://schemas.openxmlformats.org/officeDocument/2006/relationships" xmlns:p="http://schemas.openxmlformats.org/presentationml/2006/main">
   <p:cSld>
     <p:spTree>
@@ -5786,6 +5684,151 @@
 </p:sld>
 </file>
 
+<file path=ppt/slides/slide14.xml><?xml version="1.0" encoding="utf-8"?>
+<p:sld xmlns:a="http://schemas.openxmlformats.org/drawingml/2006/main" xmlns:r="http://schemas.openxmlformats.org/officeDocument/2006/relationships" xmlns:p="http://schemas.openxmlformats.org/presentationml/2006/main">
+  <p:cSld>
+    <p:spTree>
+      <p:nvGrpSpPr>
+        <p:cNvPr id="1" name=""/>
+        <p:cNvGrpSpPr/>
+        <p:nvPr/>
+      </p:nvGrpSpPr>
+      <p:grpSpPr>
+        <a:xfrm>
+          <a:off x="0" y="0"/>
+          <a:ext cx="0" cy="0"/>
+          <a:chOff x="0" y="0"/>
+          <a:chExt cx="0" cy="0"/>
+        </a:xfrm>
+      </p:grpSpPr>
+      <p:sp>
+        <p:nvSpPr>
+          <p:cNvPr id="2" name="Titre 1">
+            <a:extLst>
+              <a:ext uri="{FF2B5EF4-FFF2-40B4-BE49-F238E27FC236}">
+                <a16:creationId xmlns:a16="http://schemas.microsoft.com/office/drawing/2014/main" id="{A3C91C49-385D-8CA3-3809-DCE697E73EAE}"/>
+              </a:ext>
+            </a:extLst>
+          </p:cNvPr>
+          <p:cNvSpPr>
+            <a:spLocks noGrp="1"/>
+          </p:cNvSpPr>
+          <p:nvPr>
+            <p:ph type="title"/>
+          </p:nvPr>
+        </p:nvSpPr>
+        <p:spPr/>
+        <p:txBody>
+          <a:bodyPr/>
+          <a:lstStyle/>
+          <a:p>
+            <a:r>
+              <a:rPr lang="fr-FR" dirty="0"/>
+              <a:t>Les composants de la stratégie </a:t>
+            </a:r>
+            <a:r>
+              <a:rPr lang="fr-FR"/>
+              <a:t>du CDO</a:t>
+            </a:r>
+            <a:endParaRPr lang="fr-FR" dirty="0"/>
+          </a:p>
+        </p:txBody>
+      </p:sp>
+      <p:sp>
+        <p:nvSpPr>
+          <p:cNvPr id="3" name="Espace réservé du contenu 2">
+            <a:extLst>
+              <a:ext uri="{FF2B5EF4-FFF2-40B4-BE49-F238E27FC236}">
+                <a16:creationId xmlns:a16="http://schemas.microsoft.com/office/drawing/2014/main" id="{4A33F503-C57C-23F0-20B1-2D49FB3A83DF}"/>
+              </a:ext>
+            </a:extLst>
+          </p:cNvPr>
+          <p:cNvSpPr>
+            <a:spLocks noGrp="1"/>
+          </p:cNvSpPr>
+          <p:nvPr>
+            <p:ph idx="1"/>
+          </p:nvPr>
+        </p:nvSpPr>
+        <p:spPr/>
+        <p:txBody>
+          <a:bodyPr/>
+          <a:lstStyle/>
+          <a:p>
+            <a:r>
+              <a:rPr lang="fr-FR" sz="1800" dirty="0"/>
+              <a:t>Une vision convaincante de la gestion des données</a:t>
+            </a:r>
+          </a:p>
+          <a:p>
+            <a:r>
+              <a:rPr lang="fr-FR" sz="1800" dirty="0"/>
+              <a:t>Un argumentaire commercial synthétique pour la gestion des données, illustré d'exemples concrets</a:t>
+            </a:r>
+          </a:p>
+          <a:p>
+            <a:r>
+              <a:rPr lang="fr-FR" sz="1800" dirty="0"/>
+              <a:t>Principes directeurs, valeurs et perspectives de gestion</a:t>
+            </a:r>
+          </a:p>
+          <a:p>
+            <a:r>
+              <a:rPr lang="fr-FR" sz="1800" dirty="0"/>
+              <a:t>Mission et objectifs stratégiques à long terme de la gestion des données</a:t>
+            </a:r>
+          </a:p>
+          <a:p>
+            <a:r>
+              <a:rPr lang="fr-FR" sz="1800" dirty="0"/>
+              <a:t>Indicateurs de réussite proposés pour la gestion des données</a:t>
+            </a:r>
+          </a:p>
+          <a:p>
+            <a:r>
+              <a:rPr lang="fr-FR" sz="1800" dirty="0"/>
+              <a:t>Objectifs SMART (spécifiques, mesurables, atteignables, réalistes et temporellement définis) du programme de gestion des données</a:t>
+            </a:r>
+          </a:p>
+          <a:p>
+            <a:r>
+              <a:rPr lang="fr-FR" sz="1800" dirty="0"/>
+              <a:t>Description des rôles et des organisations en charge de la gestion des données, ainsi qu'un résumé de leurs responsabilités et pouvoirs de décision</a:t>
+            </a:r>
+          </a:p>
+          <a:p>
+            <a:r>
+              <a:rPr lang="fr-FR" sz="1800" dirty="0"/>
+              <a:t>Description des composantes et initiatives du programme de gestion des données</a:t>
+            </a:r>
+          </a:p>
+          <a:p>
+            <a:r>
+              <a:rPr lang="fr-FR" sz="1800" dirty="0"/>
+              <a:t>Un programme de travail priorisé, délimité par un périmètre défini</a:t>
+            </a:r>
+          </a:p>
+          <a:p>
+            <a:r>
+              <a:rPr lang="fr-FR" sz="1800" dirty="0"/>
+              <a:t>Une feuille de route préliminaire pour la mise en œuvre, incluant les projets et les actions à entreprendre</a:t>
+            </a:r>
+          </a:p>
+        </p:txBody>
+      </p:sp>
+    </p:spTree>
+    <p:extLst>
+      <p:ext uri="{BB962C8B-B14F-4D97-AF65-F5344CB8AC3E}">
+        <p14:creationId xmlns:p14="http://schemas.microsoft.com/office/powerpoint/2010/main" val="2448363761"/>
+      </p:ext>
+    </p:extLst>
+  </p:cSld>
+  <p:clrMapOvr>
+    <a:masterClrMapping/>
+  </p:clrMapOvr>
+</p:sld>
+</file>
+
 <file path=ppt/slides/slide15.xml><?xml version="1.0" encoding="utf-8"?>
 <p:sld xmlns:a="http://schemas.openxmlformats.org/drawingml/2006/main" xmlns:r="http://schemas.openxmlformats.org/officeDocument/2006/relationships" xmlns:p="http://schemas.openxmlformats.org/presentationml/2006/main">
   <p:cSld>
@@ -5808,7 +5851,7 @@
           <p:cNvPr id="2" name="Titre 1">
             <a:extLst>
               <a:ext uri="{FF2B5EF4-FFF2-40B4-BE49-F238E27FC236}">
-                <a16:creationId xmlns:a16="http://schemas.microsoft.com/office/drawing/2014/main" id="{A3C91C49-385D-8CA3-3809-DCE697E73EAE}"/>
+                <a16:creationId xmlns:a16="http://schemas.microsoft.com/office/drawing/2014/main" id="{C4C3DDF5-24D6-75B1-7A06-74BBFF70AF1E}"/>
               </a:ext>
             </a:extLst>
           </p:cNvPr>
@@ -5826,13 +5869,8 @@
           <a:p>
             <a:r>
               <a:rPr lang="fr-FR" dirty="0"/>
-              <a:t>Les composants de la stratégie </a:t>
-            </a:r>
-            <a:r>
-              <a:rPr lang="fr-FR"/>
-              <a:t>du CDO</a:t>
-            </a:r>
-            <a:endParaRPr lang="fr-FR" dirty="0"/>
+              <a:t>Ethique</a:t>
+            </a:r>
           </a:p>
         </p:txBody>
       </p:sp>
@@ -5841,7 +5879,7 @@
           <p:cNvPr id="3" name="Espace réservé du contenu 2">
             <a:extLst>
               <a:ext uri="{FF2B5EF4-FFF2-40B4-BE49-F238E27FC236}">
-                <a16:creationId xmlns:a16="http://schemas.microsoft.com/office/drawing/2014/main" id="{4A33F503-C57C-23F0-20B1-2D49FB3A83DF}"/>
+                <a16:creationId xmlns:a16="http://schemas.microsoft.com/office/drawing/2014/main" id="{698C2660-96AE-BBF3-2BCB-3A5C361753B9}"/>
               </a:ext>
             </a:extLst>
           </p:cNvPr>
@@ -5858,74 +5896,77 @@
           <a:lstStyle/>
           <a:p>
             <a:r>
-              <a:rPr lang="fr-FR" sz="1800" dirty="0"/>
-              <a:t>Une vision convaincante de la gestion des données</a:t>
-            </a:r>
-          </a:p>
-          <a:p>
-            <a:r>
-              <a:rPr lang="fr-FR" sz="1800" dirty="0"/>
-              <a:t>Un argumentaire commercial synthétique pour la gestion des données, illustré d'exemples concrets</a:t>
-            </a:r>
-          </a:p>
-          <a:p>
-            <a:r>
-              <a:rPr lang="fr-FR" sz="1800" dirty="0"/>
-              <a:t>Principes directeurs, valeurs et perspectives de gestion</a:t>
-            </a:r>
-          </a:p>
-          <a:p>
-            <a:r>
-              <a:rPr lang="fr-FR" sz="1800" dirty="0" err="1"/>
-              <a:t>Mision</a:t>
-            </a:r>
-            <a:r>
-              <a:rPr lang="fr-FR" sz="1800" dirty="0"/>
-              <a:t> et objectifs stratégiques à long terme de la gestion des données</a:t>
-            </a:r>
-          </a:p>
-          <a:p>
-            <a:r>
-              <a:rPr lang="fr-FR" sz="1800" dirty="0"/>
-              <a:t>Indicateurs de réussite proposés pour la gestion des données</a:t>
-            </a:r>
-          </a:p>
-          <a:p>
-            <a:r>
-              <a:rPr lang="fr-FR" sz="1800" dirty="0"/>
-              <a:t>Objectifs SMART (spécifiques, mesurables, atteignables, réalistes et temporellement définis) du programme de gestion des données à court terme (12 à 24 mois)</a:t>
-            </a:r>
-          </a:p>
-          <a:p>
-            <a:r>
-              <a:rPr lang="fr-FR" sz="1800" dirty="0"/>
-              <a:t>Description des rôles et des organisations en charge de la gestion des données, ainsi qu'un résumé de leurs responsabilités et pouvoirs de décision</a:t>
-            </a:r>
-          </a:p>
-          <a:p>
-            <a:r>
-              <a:rPr lang="fr-FR" sz="1800" dirty="0"/>
-              <a:t>Description des composantes et initiatives du programme de gestion des données</a:t>
-            </a:r>
-          </a:p>
-          <a:p>
-            <a:r>
-              <a:rPr lang="fr-FR" sz="1800" dirty="0"/>
-              <a:t>Un programme de travail priorisé, délimité par un périmètre défini</a:t>
-            </a:r>
-          </a:p>
-          <a:p>
-            <a:r>
-              <a:rPr lang="fr-FR" sz="1800" dirty="0"/>
-              <a:t>Une feuille de route préliminaire pour la mise en œuvre, incluant les projets et les actions à entreprendre</a:t>
-            </a:r>
+              <a:rPr lang="fr-FR" dirty="0"/>
+              <a:t>Impact sur les personnes</a:t>
+            </a:r>
+          </a:p>
+          <a:p>
+            <a:r>
+              <a:rPr lang="fr-FR" dirty="0"/>
+              <a:t>Risque de mauvaise utilisation</a:t>
+            </a:r>
+          </a:p>
+          <a:p>
+            <a:r>
+              <a:rPr lang="fr-FR" dirty="0"/>
+              <a:t>La data a une valeur</a:t>
+            </a:r>
+          </a:p>
+          <a:p>
+            <a:pPr lvl="1"/>
+            <a:r>
+              <a:rPr lang="fr-FR" dirty="0"/>
+              <a:t>Qui peut y accéder ?</a:t>
+            </a:r>
+          </a:p>
+          <a:p>
+            <a:pPr lvl="1"/>
+            <a:r>
+              <a:rPr lang="fr-FR" dirty="0"/>
+              <a:t>Comment ?</a:t>
+            </a:r>
+          </a:p>
+          <a:p>
+            <a:r>
+              <a:rPr lang="fr-FR" dirty="0"/>
+              <a:t>La loi</a:t>
+            </a:r>
+          </a:p>
+          <a:p>
+            <a:pPr lvl="1"/>
+            <a:r>
+              <a:rPr lang="fr-FR" dirty="0"/>
+              <a:t>RGPD</a:t>
+            </a:r>
+          </a:p>
+          <a:p>
+            <a:pPr lvl="1"/>
+            <a:r>
+              <a:rPr lang="fr-FR" dirty="0"/>
+              <a:t>CNIL</a:t>
+            </a:r>
+          </a:p>
+          <a:p>
+            <a:pPr lvl="1"/>
+            <a:r>
+              <a:rPr lang="fr-FR" dirty="0"/>
+              <a:t>AI </a:t>
+            </a:r>
+            <a:r>
+              <a:rPr lang="fr-FR"/>
+              <a:t>Act</a:t>
+            </a:r>
+            <a:endParaRPr lang="fr-FR" dirty="0"/>
+          </a:p>
+          <a:p>
+            <a:endParaRPr lang="fr-FR" dirty="0"/>
           </a:p>
         </p:txBody>
       </p:sp>
     </p:spTree>
     <p:extLst>
       <p:ext uri="{BB962C8B-B14F-4D97-AF65-F5344CB8AC3E}">
-        <p14:creationId xmlns:p14="http://schemas.microsoft.com/office/powerpoint/2010/main" val="2448363761"/>
+        <p14:creationId xmlns:p14="http://schemas.microsoft.com/office/powerpoint/2010/main" val="2473462832"/>
       </p:ext>
     </p:extLst>
   </p:cSld>
@@ -5936,119 +5977,6 @@
 </file>
 
 <file path=ppt/slides/slide16.xml><?xml version="1.0" encoding="utf-8"?>
-<p:sld xmlns:a="http://schemas.openxmlformats.org/drawingml/2006/main" xmlns:r="http://schemas.openxmlformats.org/officeDocument/2006/relationships" xmlns:p="http://schemas.openxmlformats.org/presentationml/2006/main">
-  <p:cSld>
-    <p:spTree>
-      <p:nvGrpSpPr>
-        <p:cNvPr id="1" name=""/>
-        <p:cNvGrpSpPr/>
-        <p:nvPr/>
-      </p:nvGrpSpPr>
-      <p:grpSpPr>
-        <a:xfrm>
-          <a:off x="0" y="0"/>
-          <a:ext cx="0" cy="0"/>
-          <a:chOff x="0" y="0"/>
-          <a:chExt cx="0" cy="0"/>
-        </a:xfrm>
-      </p:grpSpPr>
-      <p:sp>
-        <p:nvSpPr>
-          <p:cNvPr id="2" name="Titre 1">
-            <a:extLst>
-              <a:ext uri="{FF2B5EF4-FFF2-40B4-BE49-F238E27FC236}">
-                <a16:creationId xmlns:a16="http://schemas.microsoft.com/office/drawing/2014/main" id="{ACC0B8C9-70A5-C958-D535-7F5AFDDAF8CB}"/>
-              </a:ext>
-            </a:extLst>
-          </p:cNvPr>
-          <p:cNvSpPr>
-            <a:spLocks noGrp="1"/>
-          </p:cNvSpPr>
-          <p:nvPr>
-            <p:ph type="title"/>
-          </p:nvPr>
-        </p:nvSpPr>
-        <p:spPr/>
-        <p:txBody>
-          <a:bodyPr/>
-          <a:lstStyle/>
-          <a:p>
-            <a:r>
-              <a:rPr lang="fr-FR" dirty="0"/>
-              <a:t>Les </a:t>
-            </a:r>
-            <a:r>
-              <a:rPr lang="fr-FR" dirty="0" err="1"/>
-              <a:t>frameworks</a:t>
-            </a:r>
-            <a:endParaRPr lang="fr-FR" dirty="0"/>
-          </a:p>
-        </p:txBody>
-      </p:sp>
-      <p:sp>
-        <p:nvSpPr>
-          <p:cNvPr id="3" name="Espace réservé du contenu 2">
-            <a:extLst>
-              <a:ext uri="{FF2B5EF4-FFF2-40B4-BE49-F238E27FC236}">
-                <a16:creationId xmlns:a16="http://schemas.microsoft.com/office/drawing/2014/main" id="{B3919FF3-BA1A-C838-3B3E-A2031EA2BE50}"/>
-              </a:ext>
-            </a:extLst>
-          </p:cNvPr>
-          <p:cNvSpPr>
-            <a:spLocks noGrp="1"/>
-          </p:cNvSpPr>
-          <p:nvPr>
-            <p:ph idx="1"/>
-          </p:nvPr>
-        </p:nvSpPr>
-        <p:spPr/>
-        <p:txBody>
-          <a:bodyPr/>
-          <a:lstStyle/>
-          <a:p>
-            <a:r>
-              <a:rPr lang="fr-FR" dirty="0"/>
-              <a:t>DAMA</a:t>
-            </a:r>
-          </a:p>
-          <a:p>
-            <a:r>
-              <a:rPr lang="fr-FR" dirty="0" err="1"/>
-              <a:t>DMBok</a:t>
-            </a:r>
-            <a:endParaRPr lang="fr-FR" dirty="0"/>
-          </a:p>
-          <a:p>
-            <a:r>
-              <a:rPr lang="fr-FR" dirty="0" err="1"/>
-              <a:t>DMBok</a:t>
-            </a:r>
-            <a:r>
-              <a:rPr lang="fr-FR" dirty="0"/>
-              <a:t> </a:t>
-            </a:r>
-            <a:r>
-              <a:rPr lang="fr-FR" dirty="0" err="1"/>
-              <a:t>framework</a:t>
-            </a:r>
-            <a:endParaRPr lang="fr-FR" dirty="0"/>
-          </a:p>
-        </p:txBody>
-      </p:sp>
-    </p:spTree>
-    <p:extLst>
-      <p:ext uri="{BB962C8B-B14F-4D97-AF65-F5344CB8AC3E}">
-        <p14:creationId xmlns:p14="http://schemas.microsoft.com/office/powerpoint/2010/main" val="3489479163"/>
-      </p:ext>
-    </p:extLst>
-  </p:cSld>
-  <p:clrMapOvr>
-    <a:masterClrMapping/>
-  </p:clrMapOvr>
-</p:sld>
-</file>
-
-<file path=ppt/slides/slide17.xml><?xml version="1.0" encoding="utf-8"?>
 <p:sld xmlns:a="http://schemas.openxmlformats.org/drawingml/2006/main" xmlns:r="http://schemas.openxmlformats.org/officeDocument/2006/relationships" xmlns:p="http://schemas.openxmlformats.org/presentationml/2006/main">
   <p:cSld>
     <p:spTree>
@@ -6170,7 +6098,7 @@
 </p:sld>
 </file>
 
-<file path=ppt/slides/slide18.xml><?xml version="1.0" encoding="utf-8"?>
+<file path=ppt/slides/slide17.xml><?xml version="1.0" encoding="utf-8"?>
 <p:sld xmlns:a="http://schemas.openxmlformats.org/drawingml/2006/main" xmlns:r="http://schemas.openxmlformats.org/officeDocument/2006/relationships" xmlns:p="http://schemas.openxmlformats.org/presentationml/2006/main">
   <p:cSld>
     <p:spTree>
@@ -6259,11 +6187,7 @@
             </a:r>
             <a:r>
               <a:rPr lang="en-US" dirty="0"/>
-              <a:t> pratiques du </a:t>
-            </a:r>
-            <a:r>
-              <a:rPr lang="en-US"/>
-              <a:t>data management</a:t>
+              <a:t> pratiques du data management</a:t>
             </a:r>
             <a:endParaRPr lang="fr-FR" dirty="0"/>
           </a:p>
@@ -6312,219 +6236,7 @@
 </p:sld>
 </file>
 
-<file path=ppt/slides/slide19.xml><?xml version="1.0" encoding="utf-8"?>
-<p:sld xmlns:a="http://schemas.openxmlformats.org/drawingml/2006/main" xmlns:r="http://schemas.openxmlformats.org/officeDocument/2006/relationships" xmlns:p="http://schemas.openxmlformats.org/presentationml/2006/main">
-  <p:cSld>
-    <p:spTree>
-      <p:nvGrpSpPr>
-        <p:cNvPr id="1" name=""/>
-        <p:cNvGrpSpPr/>
-        <p:nvPr/>
-      </p:nvGrpSpPr>
-      <p:grpSpPr>
-        <a:xfrm>
-          <a:off x="0" y="0"/>
-          <a:ext cx="0" cy="0"/>
-          <a:chOff x="0" y="0"/>
-          <a:chExt cx="0" cy="0"/>
-        </a:xfrm>
-      </p:grpSpPr>
-      <p:sp>
-        <p:nvSpPr>
-          <p:cNvPr id="2" name="Titre 1">
-            <a:extLst>
-              <a:ext uri="{FF2B5EF4-FFF2-40B4-BE49-F238E27FC236}">
-                <a16:creationId xmlns:a16="http://schemas.microsoft.com/office/drawing/2014/main" id="{59375B04-C7FC-336E-A439-4D588DE91397}"/>
-              </a:ext>
-            </a:extLst>
-          </p:cNvPr>
-          <p:cNvSpPr>
-            <a:spLocks noGrp="1"/>
-          </p:cNvSpPr>
-          <p:nvPr>
-            <p:ph type="title"/>
-          </p:nvPr>
-        </p:nvSpPr>
-        <p:spPr/>
-        <p:txBody>
-          <a:bodyPr/>
-          <a:lstStyle/>
-          <a:p>
-            <a:r>
-              <a:rPr lang="fr-FR" dirty="0" err="1"/>
-              <a:t>DMBok</a:t>
-            </a:r>
-            <a:r>
-              <a:rPr lang="fr-FR" dirty="0"/>
-              <a:t> Framework</a:t>
-            </a:r>
-          </a:p>
-        </p:txBody>
-      </p:sp>
-      <p:sp>
-        <p:nvSpPr>
-          <p:cNvPr id="3" name="Espace réservé du contenu 2">
-            <a:extLst>
-              <a:ext uri="{FF2B5EF4-FFF2-40B4-BE49-F238E27FC236}">
-                <a16:creationId xmlns:a16="http://schemas.microsoft.com/office/drawing/2014/main" id="{278C9249-844D-B379-EF04-F294B595A67B}"/>
-              </a:ext>
-            </a:extLst>
-          </p:cNvPr>
-          <p:cNvSpPr>
-            <a:spLocks noGrp="1"/>
-          </p:cNvSpPr>
-          <p:nvPr>
-            <p:ph idx="1"/>
-          </p:nvPr>
-        </p:nvSpPr>
-        <p:spPr/>
-        <p:txBody>
-          <a:bodyPr/>
-          <a:lstStyle/>
-          <a:p>
-            <a:r>
-              <a:rPr lang="fr-FR" dirty="0"/>
-              <a:t>Une boite à outils de documents pour vous aider dans la stratégie</a:t>
-            </a:r>
-          </a:p>
-        </p:txBody>
-      </p:sp>
-      <p:pic>
-        <p:nvPicPr>
-          <p:cNvPr id="5" name="Image 4" descr="Une image contenant texte, diagramme, ligne, capture d’écran&#10;&#10;Le contenu généré par l’IA peut être incorrect.">
-            <a:extLst>
-              <a:ext uri="{FF2B5EF4-FFF2-40B4-BE49-F238E27FC236}">
-                <a16:creationId xmlns:a16="http://schemas.microsoft.com/office/drawing/2014/main" id="{38B93B72-29BE-2437-6E95-B43702263610}"/>
-              </a:ext>
-            </a:extLst>
-          </p:cNvPr>
-          <p:cNvPicPr>
-            <a:picLocks noChangeAspect="1"/>
-          </p:cNvPicPr>
-          <p:nvPr/>
-        </p:nvPicPr>
-        <p:blipFill>
-          <a:blip r:embed="rId2"/>
-          <a:stretch>
-            <a:fillRect/>
-          </a:stretch>
-        </p:blipFill>
-        <p:spPr>
-          <a:xfrm>
-            <a:off x="2635648" y="2564904"/>
-            <a:ext cx="3853777" cy="3244075"/>
-          </a:xfrm>
-          <a:prstGeom prst="rect">
-            <a:avLst/>
-          </a:prstGeom>
-        </p:spPr>
-      </p:pic>
-    </p:spTree>
-    <p:extLst>
-      <p:ext uri="{BB962C8B-B14F-4D97-AF65-F5344CB8AC3E}">
-        <p14:creationId xmlns:p14="http://schemas.microsoft.com/office/powerpoint/2010/main" val="2572779420"/>
-      </p:ext>
-    </p:extLst>
-  </p:cSld>
-  <p:clrMapOvr>
-    <a:masterClrMapping/>
-  </p:clrMapOvr>
-</p:sld>
-</file>
-
-<file path=ppt/slides/slide2.xml><?xml version="1.0" encoding="utf-8"?>
-<p:sld xmlns:a="http://schemas.openxmlformats.org/drawingml/2006/main" xmlns:r="http://schemas.openxmlformats.org/officeDocument/2006/relationships" xmlns:p="http://schemas.openxmlformats.org/presentationml/2006/main">
-  <p:cSld>
-    <p:spTree>
-      <p:nvGrpSpPr>
-        <p:cNvPr id="1" name=""/>
-        <p:cNvGrpSpPr/>
-        <p:nvPr/>
-      </p:nvGrpSpPr>
-      <p:grpSpPr>
-        <a:xfrm>
-          <a:off x="0" y="0"/>
-          <a:ext cx="0" cy="0"/>
-          <a:chOff x="0" y="0"/>
-          <a:chExt cx="0" cy="0"/>
-        </a:xfrm>
-      </p:grpSpPr>
-      <p:sp>
-        <p:nvSpPr>
-          <p:cNvPr id="2" name="Titre 1">
-            <a:extLst>
-              <a:ext uri="{FF2B5EF4-FFF2-40B4-BE49-F238E27FC236}">
-                <a16:creationId xmlns:a16="http://schemas.microsoft.com/office/drawing/2014/main" id="{62EC3D03-4819-3428-B519-FBF5F96A6E7E}"/>
-              </a:ext>
-            </a:extLst>
-          </p:cNvPr>
-          <p:cNvSpPr>
-            <a:spLocks noGrp="1"/>
-          </p:cNvSpPr>
-          <p:nvPr>
-            <p:ph type="title"/>
-          </p:nvPr>
-        </p:nvSpPr>
-        <p:spPr/>
-        <p:txBody>
-          <a:bodyPr/>
-          <a:lstStyle/>
-          <a:p>
-            <a:r>
-              <a:rPr lang="fr-FR" dirty="0"/>
-              <a:t>La Data</a:t>
-            </a:r>
-          </a:p>
-        </p:txBody>
-      </p:sp>
-      <p:sp>
-        <p:nvSpPr>
-          <p:cNvPr id="3" name="Espace réservé du contenu 2">
-            <a:extLst>
-              <a:ext uri="{FF2B5EF4-FFF2-40B4-BE49-F238E27FC236}">
-                <a16:creationId xmlns:a16="http://schemas.microsoft.com/office/drawing/2014/main" id="{4EB6AC47-C50C-26CE-2EA2-BC10765FF404}"/>
-              </a:ext>
-            </a:extLst>
-          </p:cNvPr>
-          <p:cNvSpPr>
-            <a:spLocks noGrp="1"/>
-          </p:cNvSpPr>
-          <p:nvPr>
-            <p:ph idx="1"/>
-          </p:nvPr>
-        </p:nvSpPr>
-        <p:spPr/>
-        <p:txBody>
-          <a:bodyPr/>
-          <a:lstStyle/>
-          <a:p>
-            <a:r>
-              <a:rPr lang="fr-FR" dirty="0"/>
-              <a:t>Les définitions classiques des données mettent l'accent sur leur rôle dans la représentation des faits concernant le monde</a:t>
-            </a:r>
-          </a:p>
-          <a:p>
-            <a:r>
-              <a:rPr lang="fr-FR" dirty="0"/>
-              <a:t>En lien avec les technologies de l'information, les données sont également comprises comme des informations stockées sous forme numérique</a:t>
-            </a:r>
-          </a:p>
-        </p:txBody>
-      </p:sp>
-    </p:spTree>
-    <p:extLst>
-      <p:ext uri="{BB962C8B-B14F-4D97-AF65-F5344CB8AC3E}">
-        <p14:creationId xmlns:p14="http://schemas.microsoft.com/office/powerpoint/2010/main" val="1383352772"/>
-      </p:ext>
-    </p:extLst>
-  </p:cSld>
-  <p:clrMapOvr>
-    <a:masterClrMapping/>
-  </p:clrMapOvr>
-</p:sld>
-</file>
-
-<file path=ppt/slides/slide20.xml><?xml version="1.0" encoding="utf-8"?>
+<file path=ppt/slides/slide18.xml><?xml version="1.0" encoding="utf-8"?>
 <p:sld xmlns:a="http://schemas.openxmlformats.org/drawingml/2006/main" xmlns:r="http://schemas.openxmlformats.org/officeDocument/2006/relationships" xmlns:p="http://schemas.openxmlformats.org/presentationml/2006/main">
   <p:cSld>
     <p:spTree>
@@ -6637,7 +6349,7 @@
 </p:sld>
 </file>
 
-<file path=ppt/slides/slide21.xml><?xml version="1.0" encoding="utf-8"?>
+<file path=ppt/slides/slide19.xml><?xml version="1.0" encoding="utf-8"?>
 <p:sld xmlns:a="http://schemas.openxmlformats.org/drawingml/2006/main" xmlns:r="http://schemas.openxmlformats.org/officeDocument/2006/relationships" xmlns:p="http://schemas.openxmlformats.org/presentationml/2006/main">
   <p:cSld>
     <p:spTree>
@@ -6659,7 +6371,7 @@
           <p:cNvPr id="2" name="Titre 1">
             <a:extLst>
               <a:ext uri="{FF2B5EF4-FFF2-40B4-BE49-F238E27FC236}">
-                <a16:creationId xmlns:a16="http://schemas.microsoft.com/office/drawing/2014/main" id="{C4C3DDF5-24D6-75B1-7A06-74BBFF70AF1E}"/>
+                <a16:creationId xmlns:a16="http://schemas.microsoft.com/office/drawing/2014/main" id="{AF56A831-9FD2-1415-9B67-A48A95330185}"/>
               </a:ext>
             </a:extLst>
           </p:cNvPr>
@@ -6677,7 +6389,7 @@
           <a:p>
             <a:r>
               <a:rPr lang="fr-FR" dirty="0"/>
-              <a:t>Ethique</a:t>
+              <a:t>TP</a:t>
             </a:r>
           </a:p>
         </p:txBody>
@@ -6687,7 +6399,7 @@
           <p:cNvPr id="3" name="Espace réservé du contenu 2">
             <a:extLst>
               <a:ext uri="{FF2B5EF4-FFF2-40B4-BE49-F238E27FC236}">
-                <a16:creationId xmlns:a16="http://schemas.microsoft.com/office/drawing/2014/main" id="{698C2660-96AE-BBF3-2BCB-3A5C361753B9}"/>
+                <a16:creationId xmlns:a16="http://schemas.microsoft.com/office/drawing/2014/main" id="{DF06C44F-22D7-3D6A-B5B3-8E57AB4A7994}"/>
               </a:ext>
             </a:extLst>
           </p:cNvPr>
@@ -6705,68 +6417,29 @@
           <a:p>
             <a:r>
               <a:rPr lang="fr-FR" dirty="0"/>
-              <a:t>Impact sur les personnes</a:t>
-            </a:r>
-          </a:p>
-          <a:p>
-            <a:r>
-              <a:rPr lang="fr-FR" dirty="0"/>
-              <a:t>Risque de mauvaise utilisation</a:t>
-            </a:r>
-          </a:p>
-          <a:p>
-            <a:r>
-              <a:rPr lang="fr-FR" dirty="0"/>
-              <a:t>La data a une valeur</a:t>
-            </a:r>
-          </a:p>
-          <a:p>
-            <a:pPr lvl="1"/>
-            <a:r>
-              <a:rPr lang="fr-FR" dirty="0"/>
-              <a:t>Qui peut y accéder ?</a:t>
-            </a:r>
-          </a:p>
-          <a:p>
-            <a:pPr lvl="1"/>
-            <a:r>
-              <a:rPr lang="fr-FR" dirty="0"/>
-              <a:t>Comment ?</a:t>
-            </a:r>
-          </a:p>
-          <a:p>
-            <a:r>
-              <a:rPr lang="fr-FR" dirty="0"/>
-              <a:t>La loi</a:t>
-            </a:r>
-          </a:p>
-          <a:p>
-            <a:pPr lvl="1"/>
-            <a:r>
-              <a:rPr lang="fr-FR" dirty="0"/>
-              <a:t>RGPD</a:t>
-            </a:r>
-          </a:p>
-          <a:p>
-            <a:pPr lvl="1"/>
-            <a:r>
-              <a:rPr lang="fr-FR" dirty="0"/>
-              <a:t>CNIL</a:t>
-            </a:r>
-          </a:p>
-          <a:p>
-            <a:pPr lvl="1"/>
-            <a:r>
-              <a:rPr lang="fr-FR" dirty="0"/>
-              <a:t>AI </a:t>
+              <a:t>Comprendre la Dama Wheel</a:t>
+            </a:r>
+          </a:p>
+          <a:p>
+            <a:r>
+              <a:rPr lang="fr-FR" dirty="0"/>
+              <a:t>Parcourir le sommaire du </a:t>
+            </a:r>
+            <a:r>
+              <a:rPr lang="fr-FR" dirty="0" err="1"/>
+              <a:t>DMBok</a:t>
+            </a:r>
+            <a:endParaRPr lang="fr-FR" dirty="0"/>
+          </a:p>
+          <a:p>
+            <a:r>
+              <a:rPr lang="fr-FR" dirty="0"/>
+              <a:t>Noter les </a:t>
             </a:r>
             <a:r>
               <a:rPr lang="fr-FR"/>
-              <a:t>Act</a:t>
-            </a:r>
-            <a:endParaRPr lang="fr-FR" dirty="0"/>
-          </a:p>
-          <a:p>
+              <a:t>points essentiels</a:t>
+            </a:r>
             <a:endParaRPr lang="fr-FR" dirty="0"/>
           </a:p>
         </p:txBody>
@@ -6774,7 +6447,99 @@
     </p:spTree>
     <p:extLst>
       <p:ext uri="{BB962C8B-B14F-4D97-AF65-F5344CB8AC3E}">
-        <p14:creationId xmlns:p14="http://schemas.microsoft.com/office/powerpoint/2010/main" val="2473462832"/>
+        <p14:creationId xmlns:p14="http://schemas.microsoft.com/office/powerpoint/2010/main" val="3951425184"/>
+      </p:ext>
+    </p:extLst>
+  </p:cSld>
+  <p:clrMapOvr>
+    <a:masterClrMapping/>
+  </p:clrMapOvr>
+</p:sld>
+</file>
+
+<file path=ppt/slides/slide2.xml><?xml version="1.0" encoding="utf-8"?>
+<p:sld xmlns:a="http://schemas.openxmlformats.org/drawingml/2006/main" xmlns:r="http://schemas.openxmlformats.org/officeDocument/2006/relationships" xmlns:p="http://schemas.openxmlformats.org/presentationml/2006/main">
+  <p:cSld>
+    <p:spTree>
+      <p:nvGrpSpPr>
+        <p:cNvPr id="1" name=""/>
+        <p:cNvGrpSpPr/>
+        <p:nvPr/>
+      </p:nvGrpSpPr>
+      <p:grpSpPr>
+        <a:xfrm>
+          <a:off x="0" y="0"/>
+          <a:ext cx="0" cy="0"/>
+          <a:chOff x="0" y="0"/>
+          <a:chExt cx="0" cy="0"/>
+        </a:xfrm>
+      </p:grpSpPr>
+      <p:sp>
+        <p:nvSpPr>
+          <p:cNvPr id="2" name="Titre 1">
+            <a:extLst>
+              <a:ext uri="{FF2B5EF4-FFF2-40B4-BE49-F238E27FC236}">
+                <a16:creationId xmlns:a16="http://schemas.microsoft.com/office/drawing/2014/main" id="{62EC3D03-4819-3428-B519-FBF5F96A6E7E}"/>
+              </a:ext>
+            </a:extLst>
+          </p:cNvPr>
+          <p:cNvSpPr>
+            <a:spLocks noGrp="1"/>
+          </p:cNvSpPr>
+          <p:nvPr>
+            <p:ph type="title"/>
+          </p:nvPr>
+        </p:nvSpPr>
+        <p:spPr/>
+        <p:txBody>
+          <a:bodyPr/>
+          <a:lstStyle/>
+          <a:p>
+            <a:r>
+              <a:rPr lang="fr-FR" dirty="0"/>
+              <a:t>La Data</a:t>
+            </a:r>
+          </a:p>
+        </p:txBody>
+      </p:sp>
+      <p:sp>
+        <p:nvSpPr>
+          <p:cNvPr id="3" name="Espace réservé du contenu 2">
+            <a:extLst>
+              <a:ext uri="{FF2B5EF4-FFF2-40B4-BE49-F238E27FC236}">
+                <a16:creationId xmlns:a16="http://schemas.microsoft.com/office/drawing/2014/main" id="{4EB6AC47-C50C-26CE-2EA2-BC10765FF404}"/>
+              </a:ext>
+            </a:extLst>
+          </p:cNvPr>
+          <p:cNvSpPr>
+            <a:spLocks noGrp="1"/>
+          </p:cNvSpPr>
+          <p:nvPr>
+            <p:ph idx="1"/>
+          </p:nvPr>
+        </p:nvSpPr>
+        <p:spPr/>
+        <p:txBody>
+          <a:bodyPr/>
+          <a:lstStyle/>
+          <a:p>
+            <a:r>
+              <a:rPr lang="fr-FR" dirty="0"/>
+              <a:t>Les définitions classiques des données mettent l'accent sur leur rôle dans la représentation des faits concernant le monde</a:t>
+            </a:r>
+          </a:p>
+          <a:p>
+            <a:r>
+              <a:rPr lang="fr-FR" dirty="0"/>
+              <a:t>En lien avec les technologies de l'information, les données sont également comprises comme des informations stockées sous forme numérique</a:t>
+            </a:r>
+          </a:p>
+        </p:txBody>
+      </p:sp>
+    </p:spTree>
+    <p:extLst>
+      <p:ext uri="{BB962C8B-B14F-4D97-AF65-F5344CB8AC3E}">
+        <p14:creationId xmlns:p14="http://schemas.microsoft.com/office/powerpoint/2010/main" val="1383352772"/>
       </p:ext>
     </p:extLst>
   </p:cSld>
@@ -7612,7 +7377,7 @@
           <a:p>
             <a:r>
               <a:rPr lang="fr-FR" dirty="0"/>
-              <a:t>La création une des étapes la plus critique du cycle de vie des données</a:t>
+              <a:t>La création est une des étapes la plus critique du cycle de vie des données</a:t>
             </a:r>
           </a:p>
           <a:p>
